--- a/docs/02-fundamentos-php-poo.pptx
+++ b/docs/02-fundamentos-php-poo.pptx
@@ -194,7 +194,7 @@
             <a:fld id="{1D060FB9-EB56-4242-9A7F-819CE4EF0BCE}" type="datetimeFigureOut">
               <a:rPr lang="es-ES" smtClean="0"/>
               <a:pPr/>
-              <a:t>06/02/2014</a:t>
+              <a:t>08/02/2014</a:t>
             </a:fld>
             <a:endParaRPr lang="es-ES"/>
           </a:p>
@@ -729,7 +729,7 @@
             <a:fld id="{830760F2-4349-432C-B52E-2DDD42716A2A}" type="datetimeFigureOut">
               <a:rPr lang="es-ES" smtClean="0"/>
               <a:pPr/>
-              <a:t>06/02/2014</a:t>
+              <a:t>08/02/2014</a:t>
             </a:fld>
             <a:endParaRPr lang="es-ES"/>
           </a:p>
@@ -896,7 +896,7 @@
             <a:fld id="{830760F2-4349-432C-B52E-2DDD42716A2A}" type="datetimeFigureOut">
               <a:rPr lang="es-ES" smtClean="0"/>
               <a:pPr/>
-              <a:t>06/02/2014</a:t>
+              <a:t>08/02/2014</a:t>
             </a:fld>
             <a:endParaRPr lang="es-ES"/>
           </a:p>
@@ -1073,7 +1073,7 @@
             <a:fld id="{830760F2-4349-432C-B52E-2DDD42716A2A}" type="datetimeFigureOut">
               <a:rPr lang="es-ES" smtClean="0"/>
               <a:pPr/>
-              <a:t>06/02/2014</a:t>
+              <a:t>08/02/2014</a:t>
             </a:fld>
             <a:endParaRPr lang="es-ES"/>
           </a:p>
@@ -1240,7 +1240,7 @@
             <a:fld id="{830760F2-4349-432C-B52E-2DDD42716A2A}" type="datetimeFigureOut">
               <a:rPr lang="es-ES" smtClean="0"/>
               <a:pPr/>
-              <a:t>06/02/2014</a:t>
+              <a:t>08/02/2014</a:t>
             </a:fld>
             <a:endParaRPr lang="es-ES"/>
           </a:p>
@@ -1483,7 +1483,7 @@
             <a:fld id="{830760F2-4349-432C-B52E-2DDD42716A2A}" type="datetimeFigureOut">
               <a:rPr lang="es-ES" smtClean="0"/>
               <a:pPr/>
-              <a:t>06/02/2014</a:t>
+              <a:t>08/02/2014</a:t>
             </a:fld>
             <a:endParaRPr lang="es-ES"/>
           </a:p>
@@ -1768,7 +1768,7 @@
             <a:fld id="{830760F2-4349-432C-B52E-2DDD42716A2A}" type="datetimeFigureOut">
               <a:rPr lang="es-ES" smtClean="0"/>
               <a:pPr/>
-              <a:t>06/02/2014</a:t>
+              <a:t>08/02/2014</a:t>
             </a:fld>
             <a:endParaRPr lang="es-ES"/>
           </a:p>
@@ -2187,7 +2187,7 @@
             <a:fld id="{830760F2-4349-432C-B52E-2DDD42716A2A}" type="datetimeFigureOut">
               <a:rPr lang="es-ES" smtClean="0"/>
               <a:pPr/>
-              <a:t>06/02/2014</a:t>
+              <a:t>08/02/2014</a:t>
             </a:fld>
             <a:endParaRPr lang="es-ES"/>
           </a:p>
@@ -2302,7 +2302,7 @@
             <a:fld id="{830760F2-4349-432C-B52E-2DDD42716A2A}" type="datetimeFigureOut">
               <a:rPr lang="es-ES" smtClean="0"/>
               <a:pPr/>
-              <a:t>06/02/2014</a:t>
+              <a:t>08/02/2014</a:t>
             </a:fld>
             <a:endParaRPr lang="es-ES"/>
           </a:p>
@@ -2394,7 +2394,7 @@
             <a:fld id="{830760F2-4349-432C-B52E-2DDD42716A2A}" type="datetimeFigureOut">
               <a:rPr lang="es-ES" smtClean="0"/>
               <a:pPr/>
-              <a:t>06/02/2014</a:t>
+              <a:t>08/02/2014</a:t>
             </a:fld>
             <a:endParaRPr lang="es-ES"/>
           </a:p>
@@ -2668,7 +2668,7 @@
             <a:fld id="{830760F2-4349-432C-B52E-2DDD42716A2A}" type="datetimeFigureOut">
               <a:rPr lang="es-ES" smtClean="0"/>
               <a:pPr/>
-              <a:t>06/02/2014</a:t>
+              <a:t>08/02/2014</a:t>
             </a:fld>
             <a:endParaRPr lang="es-ES"/>
           </a:p>
@@ -2922,7 +2922,7 @@
             <a:fld id="{830760F2-4349-432C-B52E-2DDD42716A2A}" type="datetimeFigureOut">
               <a:rPr lang="es-ES" smtClean="0"/>
               <a:pPr/>
-              <a:t>06/02/2014</a:t>
+              <a:t>08/02/2014</a:t>
             </a:fld>
             <a:endParaRPr lang="es-ES"/>
           </a:p>
@@ -3141,7 +3141,7 @@
             <a:fld id="{830760F2-4349-432C-B52E-2DDD42716A2A}" type="datetimeFigureOut">
               <a:rPr lang="es-ES" smtClean="0"/>
               <a:pPr/>
-              <a:t>06/02/2014</a:t>
+              <a:t>08/02/2014</a:t>
             </a:fld>
             <a:endParaRPr lang="es-ES"/>
           </a:p>
@@ -3868,10 +3868,10 @@
               <a:t> </a:t>
             </a:r>
             <a:r>
-              <a:rPr lang="es-ES" sz="3200" dirty="0" smtClean="0"/>
+              <a:rPr lang="es-ES" sz="3200" strike="sngStrike" dirty="0" smtClean="0"/>
               <a:t>Clases</a:t>
             </a:r>
-            <a:endParaRPr lang="es-ES" sz="3200" dirty="0"/>
+            <a:endParaRPr lang="es-ES" sz="3200" strike="sngStrike" dirty="0"/>
           </a:p>
           <a:p>
             <a:pPr marL="342900" lvl="0" indent="-342900">
@@ -3886,10 +3886,10 @@
               <a:t> </a:t>
             </a:r>
             <a:r>
-              <a:rPr lang="es-ES" sz="3200" dirty="0" smtClean="0"/>
+              <a:rPr lang="es-ES" sz="3200" strike="sngStrike" dirty="0" smtClean="0"/>
               <a:t>Atributos</a:t>
             </a:r>
-            <a:endParaRPr lang="es-ES" sz="3200" dirty="0"/>
+            <a:endParaRPr lang="es-ES" sz="3200" strike="sngStrike" dirty="0"/>
           </a:p>
           <a:p>
             <a:pPr marL="342900" lvl="0" indent="-342900">
@@ -3904,10 +3904,10 @@
               <a:t> </a:t>
             </a:r>
             <a:r>
-              <a:rPr lang="es-ES" sz="3200" dirty="0" smtClean="0"/>
+              <a:rPr lang="es-ES" sz="3200" strike="sngStrike" dirty="0" smtClean="0"/>
               <a:t>Métodos</a:t>
             </a:r>
-            <a:endParaRPr lang="es-ES" sz="3200" dirty="0"/>
+            <a:endParaRPr lang="es-ES" sz="3200" strike="sngStrike" dirty="0"/>
           </a:p>
           <a:p>
             <a:pPr marL="342900" lvl="0" indent="-342900">
@@ -3922,10 +3922,10 @@
               <a:t> </a:t>
             </a:r>
             <a:r>
-              <a:rPr lang="es-ES" sz="3200" dirty="0" smtClean="0"/>
+              <a:rPr lang="es-ES" sz="3200" strike="sngStrike" dirty="0" smtClean="0"/>
               <a:t>Herencia</a:t>
             </a:r>
-            <a:endParaRPr lang="es-ES" sz="3200" dirty="0"/>
+            <a:endParaRPr lang="es-ES" sz="3200" strike="sngStrike" dirty="0"/>
           </a:p>
           <a:p>
             <a:pPr marL="342900" lvl="0" indent="-342900">
@@ -3940,10 +3940,10 @@
               <a:t> </a:t>
             </a:r>
             <a:r>
-              <a:rPr lang="es-ES" sz="3200" dirty="0" smtClean="0"/>
+              <a:rPr lang="es-ES" sz="3200" strike="sngStrike" dirty="0" smtClean="0"/>
               <a:t>Constantes</a:t>
             </a:r>
-            <a:endParaRPr lang="es-ES" sz="3200" dirty="0"/>
+            <a:endParaRPr lang="es-ES" sz="3200" strike="sngStrike" dirty="0"/>
           </a:p>
           <a:p>
             <a:pPr marL="342900" lvl="0" indent="-342900">
@@ -3958,10 +3958,10 @@
               <a:t> </a:t>
             </a:r>
             <a:r>
-              <a:rPr lang="es-ES" sz="3200" dirty="0" err="1" smtClean="0"/>
+              <a:rPr lang="es-ES" sz="3200" strike="sngStrike" dirty="0" err="1" smtClean="0"/>
               <a:t>Visibility</a:t>
             </a:r>
-            <a:endParaRPr lang="es-ES" sz="3200" dirty="0"/>
+            <a:endParaRPr lang="es-ES" sz="3200" strike="sngStrike" dirty="0"/>
           </a:p>
           <a:p>
             <a:pPr marL="342900" lvl="0" indent="-342900">
@@ -4030,22 +4030,22 @@
               <a:buChar char="•"/>
             </a:pPr>
             <a:r>
-              <a:rPr lang="es-ES" sz="3200" dirty="0"/>
+              <a:rPr lang="es-ES" sz="3200" strike="sngStrike" dirty="0"/>
               <a:t> </a:t>
             </a:r>
             <a:r>
-              <a:rPr lang="es-ES" sz="3200" dirty="0" err="1" smtClean="0"/>
+              <a:rPr lang="es-ES" sz="3200" strike="sngStrike" dirty="0" err="1" smtClean="0"/>
               <a:t>Magic</a:t>
             </a:r>
             <a:r>
-              <a:rPr lang="es-ES" sz="3200" dirty="0" smtClean="0"/>
+              <a:rPr lang="es-ES" sz="3200" strike="sngStrike" dirty="0" smtClean="0"/>
               <a:t> </a:t>
             </a:r>
             <a:r>
-              <a:rPr lang="es-ES" sz="3200" dirty="0" err="1" smtClean="0"/>
+              <a:rPr lang="es-ES" sz="3200" strike="sngStrike" dirty="0" err="1" smtClean="0"/>
               <a:t>Methods</a:t>
             </a:r>
-            <a:endParaRPr lang="es-ES" sz="3200" dirty="0"/>
+            <a:endParaRPr lang="es-ES" sz="3200" strike="sngStrike" dirty="0"/>
           </a:p>
           <a:p>
             <a:pPr marL="342900" lvl="0" indent="-342900">
@@ -4060,10 +4060,10 @@
               <a:t> </a:t>
             </a:r>
             <a:r>
-              <a:rPr lang="es-ES" sz="3200" dirty="0" err="1" smtClean="0"/>
+              <a:rPr lang="es-ES" sz="3200" strike="sngStrike" dirty="0" err="1" smtClean="0"/>
               <a:t>Autoloading</a:t>
             </a:r>
-            <a:endParaRPr lang="es-ES" sz="3200" dirty="0"/>
+            <a:endParaRPr lang="es-ES" sz="3200" strike="sngStrike" dirty="0"/>
           </a:p>
           <a:p>
             <a:pPr marL="342900" lvl="0" indent="-342900">
@@ -4096,10 +4096,10 @@
               <a:t> </a:t>
             </a:r>
             <a:r>
-              <a:rPr lang="es-ES" sz="3200" dirty="0" err="1" smtClean="0"/>
+              <a:rPr lang="es-ES" sz="3200" strike="sngStrike" dirty="0" err="1" smtClean="0"/>
               <a:t>Namespaces</a:t>
             </a:r>
-            <a:endParaRPr lang="es-ES" sz="3200" dirty="0"/>
+            <a:endParaRPr lang="es-ES" sz="3200" strike="sngStrike" dirty="0"/>
           </a:p>
           <a:p>
             <a:pPr marL="342900" lvl="0" indent="-342900">
@@ -4114,10 +4114,10 @@
               <a:t> </a:t>
             </a:r>
             <a:r>
-              <a:rPr lang="es-ES" sz="3200" dirty="0" err="1" smtClean="0"/>
+              <a:rPr lang="es-ES" sz="3200" strike="sngStrike" dirty="0" err="1" smtClean="0"/>
               <a:t>Clousure</a:t>
             </a:r>
-            <a:endParaRPr kumimoji="0" lang="es-ES" sz="3200" b="0" i="0" u="none" strike="noStrike" kern="1200" cap="none" spc="0" normalizeH="0" baseline="0" noProof="0" dirty="0" smtClean="0">
+            <a:endParaRPr kumimoji="0" lang="es-ES" sz="3200" b="0" i="0" u="none" strike="sngStrike" kern="1200" cap="none" spc="0" normalizeH="0" baseline="0" noProof="0" dirty="0" smtClean="0">
               <a:ln>
                 <a:noFill/>
               </a:ln>
